--- a/Presentation-Slide.pptx
+++ b/Presentation-Slide.pptx
@@ -13,6 +13,8 @@
     <p:sldId id="260" r:id="rId8"/>
     <p:sldId id="261" r:id="rId9"/>
     <p:sldId id="262" r:id="rId10"/>
+    <p:sldId id="263" r:id="rId11"/>
+    <p:sldId id="264" r:id="rId12"/>
   </p:sldIdLst>
   <p:sldSz cx="9144000" cy="5143500"/>
   <p:notesSz cx="7772400" cy="10058400"/>
@@ -4388,7 +4390,7 @@
         <p:spPr>
           <a:xfrm>
             <a:off x="1884600" y="3309840"/>
-            <a:ext cx="5203080" cy="1279800"/>
+            <a:ext cx="5203080" cy="1554120"/>
           </a:xfrm>
           <a:prstGeom prst="rect">
             <a:avLst/>
@@ -4468,6 +4470,32 @@
                 <a:ea typeface="Arial"/>
               </a:rPr>
               <a:t>ABDULBASIT ABDULGANIYU</a:t>
+            </a:r>
+            <a:endParaRPr b="0" lang="en-US" sz="1800" spc="-1" strike="noStrike">
+              <a:solidFill>
+                <a:srgbClr val="000000"/>
+              </a:solidFill>
+              <a:latin typeface="Arial"/>
+            </a:endParaRPr>
+          </a:p>
+          <a:p>
+            <a:pPr algn="ctr">
+              <a:lnSpc>
+                <a:spcPct val="100000"/>
+              </a:lnSpc>
+              <a:tabLst>
+                <a:tab algn="l" pos="0"/>
+              </a:tabLst>
+            </a:pPr>
+            <a:r>
+              <a:rPr b="1" lang="en" sz="1800" spc="-1" strike="noStrike">
+                <a:solidFill>
+                  <a:srgbClr val="595959"/>
+                </a:solidFill>
+                <a:latin typeface="Arial"/>
+                <a:ea typeface="Arial"/>
+              </a:rPr>
+              <a:t>(FRONTEND)</a:t>
             </a:r>
             <a:endParaRPr b="0" lang="en-US" sz="1800" spc="-1" strike="noStrike">
               <a:solidFill>
@@ -4805,7 +4833,7 @@
         <p:spPr>
           <a:xfrm>
             <a:off x="180000" y="3764880"/>
-            <a:ext cx="4999320" cy="857880"/>
+            <a:ext cx="8278200" cy="857880"/>
           </a:xfrm>
           <a:prstGeom prst="rect">
             <a:avLst/>
@@ -4860,7 +4888,7 @@
                 </a:solidFill>
                 <a:latin typeface="Arial"/>
               </a:rPr>
-              <a:t>This is a sole web application project written by:</a:t>
+              <a:t>This is a sole web application project design and written by:</a:t>
             </a:r>
             <a:endParaRPr b="0" lang="en-US" sz="1800" spc="-1" strike="noStrike">
               <a:solidFill>
@@ -5145,111 +5173,83 @@
       </p:grpSpPr>
       <p:sp>
         <p:nvSpPr>
-          <p:cNvPr id="86" name="CustomShape 1"/>
-          <p:cNvSpPr/>
+          <p:cNvPr id="86" name=""/>
+          <p:cNvSpPr txBox="1"/>
           <p:nvPr/>
         </p:nvSpPr>
         <p:spPr>
           <a:xfrm>
-            <a:off x="311760" y="444960"/>
-            <a:ext cx="8519040" cy="571320"/>
-          </a:xfrm>
-          <a:prstGeom prst="rect">
-            <a:avLst/>
-          </a:prstGeom>
-          <a:noFill/>
-          <a:ln w="0">
-            <a:noFill/>
-          </a:ln>
-        </p:spPr>
-        <p:style>
-          <a:lnRef idx="0"/>
-          <a:fillRef idx="0"/>
-          <a:effectRef idx="0"/>
-          <a:fontRef idx="minor"/>
-        </p:style>
-        <p:txBody>
-          <a:bodyPr lIns="90000" rIns="90000" tIns="91440" bIns="91440" anchor="t">
-            <a:normAutofit fontScale="93000"/>
-          </a:bodyPr>
-          <a:p>
-            <a:pPr>
-              <a:lnSpc>
-                <a:spcPct val="100000"/>
-              </a:lnSpc>
-              <a:tabLst>
-                <a:tab algn="l" pos="0"/>
-              </a:tabLst>
-            </a:pPr>
+            <a:off x="457200" y="228600"/>
+            <a:ext cx="1105920" cy="346320"/>
+          </a:xfrm>
+          <a:prstGeom prst="rect">
+            <a:avLst/>
+          </a:prstGeom>
+          <a:noFill/>
+          <a:ln w="0">
+            <a:noFill/>
+          </a:ln>
+        </p:spPr>
+        <p:txBody>
+          <a:bodyPr lIns="90000" rIns="90000" tIns="45000" bIns="45000" anchor="t">
+            <a:noAutofit/>
+          </a:bodyPr>
+          <a:p>
             <a:r>
-              <a:rPr b="0" lang="en" sz="2800" spc="-1" strike="noStrike">
+              <a:rPr b="1" lang="en-US" sz="1800" spc="-1" strike="noStrike">
                 <a:solidFill>
                   <a:srgbClr val="000000"/>
                 </a:solidFill>
                 <a:latin typeface="Arial"/>
-                <a:ea typeface="Arial"/>
               </a:rPr>
-              <a:t>Challenges </a:t>
+              <a:t>Success</a:t>
             </a:r>
-            <a:endParaRPr b="0" lang="en-US" sz="2800" spc="-1" strike="noStrike">
-              <a:solidFill>
-                <a:srgbClr val="000000"/>
-              </a:solidFill>
-              <a:latin typeface="Arial"/>
-            </a:endParaRPr>
-          </a:p>
-        </p:txBody>
-      </p:sp>
-      <p:sp>
-        <p:nvSpPr>
-          <p:cNvPr id="87" name="CustomShape 2"/>
-          <p:cNvSpPr/>
+            <a:endParaRPr b="0" lang="en-US" sz="1800" spc="-1" strike="noStrike">
+              <a:solidFill>
+                <a:srgbClr val="000000"/>
+              </a:solidFill>
+              <a:latin typeface="Arial"/>
+            </a:endParaRPr>
+          </a:p>
+        </p:txBody>
+      </p:sp>
+      <p:sp>
+        <p:nvSpPr>
+          <p:cNvPr id="87" name=""/>
+          <p:cNvSpPr txBox="1"/>
           <p:nvPr/>
         </p:nvSpPr>
         <p:spPr>
           <a:xfrm>
-            <a:off x="311760" y="1152360"/>
-            <a:ext cx="8519040" cy="3414960"/>
-          </a:xfrm>
-          <a:prstGeom prst="rect">
-            <a:avLst/>
-          </a:prstGeom>
-          <a:noFill/>
-          <a:ln w="0">
-            <a:noFill/>
-          </a:ln>
-        </p:spPr>
-        <p:style>
-          <a:lnRef idx="0"/>
-          <a:fillRef idx="0"/>
-          <a:effectRef idx="0"/>
-          <a:fontRef idx="minor"/>
-        </p:style>
-        <p:txBody>
-          <a:bodyPr lIns="90000" rIns="90000" tIns="91440" bIns="91440" anchor="t">
-            <a:normAutofit/>
-          </a:bodyPr>
-          <a:p>
-            <a:pPr>
+            <a:off x="457200" y="685800"/>
+            <a:ext cx="8458200" cy="3927960"/>
+          </a:xfrm>
+          <a:prstGeom prst="rect">
+            <a:avLst/>
+          </a:prstGeom>
+          <a:noFill/>
+          <a:ln w="0">
+            <a:noFill/>
+          </a:ln>
+        </p:spPr>
+        <p:txBody>
+          <a:bodyPr lIns="90000" rIns="90000" tIns="45000" bIns="45000" anchor="t">
+            <a:noAutofit/>
+          </a:bodyPr>
+          <a:p>
+            <a:pPr algn="just">
               <a:lnSpc>
-                <a:spcPct val="115000"/>
+                <a:spcPct val="150000"/>
               </a:lnSpc>
-              <a:spcAft>
-                <a:spcPts val="1199"/>
-              </a:spcAft>
-              <a:tabLst>
-                <a:tab algn="l" pos="0"/>
-              </a:tabLst>
             </a:pPr>
             <a:r>
-              <a:rPr b="0" lang="en" sz="1800" spc="-1" strike="noStrike">
+              <a:rPr b="0" lang="en-US" sz="1800" spc="-1" strike="noStrike">
                 <a:solidFill>
-                  <a:srgbClr val="595959"/>
+                  <a:srgbClr val="000000"/>
                 </a:solidFill>
                 <a:latin typeface="Arial"/>
-                <a:ea typeface="Arial"/>
               </a:rPr>
-              <a:t>The challenges already identified include but not limited to the following:</a:t>
+              <a:t>Although the backend part of the project was not actualized, but the project frontend and some of the features were realized. This includes;</a:t>
             </a:r>
             <a:endParaRPr b="0" lang="en-US" sz="1800" spc="-1" strike="noStrike">
               <a:solidFill>
@@ -5259,26 +5259,19 @@
             </a:endParaRPr>
           </a:p>
           <a:p>
-            <a:pPr>
+            <a:pPr algn="just">
               <a:lnSpc>
-                <a:spcPct val="115000"/>
+                <a:spcPct val="150000"/>
               </a:lnSpc>
-              <a:spcAft>
-                <a:spcPts val="1199"/>
-              </a:spcAft>
-              <a:tabLst>
-                <a:tab algn="l" pos="0"/>
-              </a:tabLst>
             </a:pPr>
             <a:r>
-              <a:rPr b="0" lang="en" sz="1800" spc="-1" strike="noStrike">
+              <a:rPr b="0" lang="en-US" sz="1800" spc="-1" strike="noStrike">
                 <a:solidFill>
-                  <a:srgbClr val="595959"/>
+                  <a:srgbClr val="000000"/>
                 </a:solidFill>
                 <a:latin typeface="Arial"/>
-                <a:ea typeface="Arial"/>
               </a:rPr>
-              <a:t>A user needs to create a developer profile when using google map and login 0Auth to get and have valid accessible api.</a:t>
+              <a:t>Itemizing the services that to be rendered on the web application</a:t>
             </a:r>
             <a:endParaRPr b="0" lang="en-US" sz="1800" spc="-1" strike="noStrike">
               <a:solidFill>
@@ -5288,26 +5281,19 @@
             </a:endParaRPr>
           </a:p>
           <a:p>
-            <a:pPr>
+            <a:pPr algn="just">
               <a:lnSpc>
-                <a:spcPct val="115000"/>
+                <a:spcPct val="150000"/>
               </a:lnSpc>
-              <a:spcAft>
-                <a:spcPts val="1199"/>
-              </a:spcAft>
-              <a:tabLst>
-                <a:tab algn="l" pos="0"/>
-              </a:tabLst>
             </a:pPr>
             <a:r>
-              <a:rPr b="0" lang="en" sz="1800" spc="-1" strike="noStrike">
+              <a:rPr b="0" lang="en-US" sz="1800" spc="-1" strike="noStrike">
                 <a:solidFill>
-                  <a:srgbClr val="595959"/>
+                  <a:srgbClr val="000000"/>
                 </a:solidFill>
                 <a:latin typeface="Arial"/>
-                <a:ea typeface="Arial"/>
               </a:rPr>
-              <a:t>A database need to be in place to keep record of using login details</a:t>
+              <a:t>A blog for updating and educating users on new trending in the automobile industry</a:t>
             </a:r>
             <a:endParaRPr b="0" lang="en-US" sz="1800" spc="-1" strike="noStrike">
               <a:solidFill>
@@ -5317,26 +5303,51 @@
             </a:endParaRPr>
           </a:p>
           <a:p>
-            <a:pPr>
+            <a:pPr algn="just">
               <a:lnSpc>
-                <a:spcPct val="115000"/>
+                <a:spcPct val="150000"/>
               </a:lnSpc>
-              <a:spcAft>
-                <a:spcPts val="1199"/>
-              </a:spcAft>
-              <a:tabLst>
-                <a:tab algn="l" pos="0"/>
-              </a:tabLst>
             </a:pPr>
             <a:r>
-              <a:rPr b="0" lang="en" sz="1800" spc="-1" strike="noStrike">
+              <a:rPr b="0" lang="en-US" sz="1800" spc="-1" strike="noStrike">
                 <a:solidFill>
-                  <a:srgbClr val="595959"/>
+                  <a:srgbClr val="000000"/>
                 </a:solidFill>
                 <a:latin typeface="Arial"/>
-                <a:ea typeface="Arial"/>
+                <a:ea typeface="Microsoft YaHei"/>
               </a:rPr>
-              <a:t>Alot of backend routine for showing a nearby user whose maintenance and technical service is needed for peer to peer.</a:t>
+              <a:t>A user login field for accepting user’s login details (username and password) such that the user will be able to have </a:t>
+            </a:r>
+            <a:r>
+              <a:rPr b="0" lang="en-US" sz="1800" spc="-1" strike="noStrike">
+                <a:solidFill>
+                  <a:srgbClr val="000000"/>
+                </a:solidFill>
+                <a:latin typeface="Arial"/>
+              </a:rPr>
+              <a:t>a full access to the web application features and functions</a:t>
+            </a:r>
+            <a:endParaRPr b="0" lang="en-US" sz="1800" spc="-1" strike="noStrike">
+              <a:solidFill>
+                <a:srgbClr val="000000"/>
+              </a:solidFill>
+              <a:latin typeface="Arial"/>
+            </a:endParaRPr>
+          </a:p>
+          <a:p>
+            <a:pPr algn="just">
+              <a:lnSpc>
+                <a:spcPct val="150000"/>
+              </a:lnSpc>
+            </a:pPr>
+            <a:r>
+              <a:rPr b="0" lang="en-US" sz="1800" spc="-1" strike="noStrike">
+                <a:solidFill>
+                  <a:srgbClr val="000000"/>
+                </a:solidFill>
+                <a:latin typeface="Arial"/>
+              </a:rPr>
+              <a:t>A feedback form which user can used to make comments, complains and reached out to the development team of the web application.</a:t>
             </a:r>
             <a:endParaRPr b="0" lang="en-US" sz="1800" spc="-1" strike="noStrike">
               <a:solidFill>
@@ -5423,7 +5434,7 @@
                 <a:latin typeface="Arial"/>
                 <a:ea typeface="Arial"/>
               </a:rPr>
-              <a:t>Schedule of Work</a:t>
+              <a:t>Challenges </a:t>
             </a:r>
             <a:endParaRPr b="0" lang="en-US" sz="2800" spc="-1" strike="noStrike">
               <a:solidFill>
@@ -5434,29 +5445,153 @@
           </a:p>
         </p:txBody>
       </p:sp>
-      <p:pic>
-        <p:nvPicPr>
-          <p:cNvPr id="89" name="Google Shape;92;p19" descr=""/>
-          <p:cNvPicPr/>
+      <p:sp>
+        <p:nvSpPr>
+          <p:cNvPr id="89" name="CustomShape 2"/>
+          <p:cNvSpPr/>
           <p:nvPr/>
-        </p:nvPicPr>
-        <p:blipFill>
-          <a:blip r:embed="rId1"/>
-          <a:stretch/>
-        </p:blipFill>
-        <p:spPr>
-          <a:xfrm>
-            <a:off x="466200" y="1065240"/>
-            <a:ext cx="7970400" cy="3011760"/>
-          </a:xfrm>
-          <a:prstGeom prst="rect">
-            <a:avLst/>
-          </a:prstGeom>
-          <a:ln w="0">
-            <a:noFill/>
-          </a:ln>
-        </p:spPr>
-      </p:pic>
+        </p:nvSpPr>
+        <p:spPr>
+          <a:xfrm>
+            <a:off x="311760" y="1152360"/>
+            <a:ext cx="8519040" cy="3414960"/>
+          </a:xfrm>
+          <a:prstGeom prst="rect">
+            <a:avLst/>
+          </a:prstGeom>
+          <a:noFill/>
+          <a:ln w="0">
+            <a:noFill/>
+          </a:ln>
+        </p:spPr>
+        <p:style>
+          <a:lnRef idx="0"/>
+          <a:fillRef idx="0"/>
+          <a:effectRef idx="0"/>
+          <a:fontRef idx="minor"/>
+        </p:style>
+        <p:txBody>
+          <a:bodyPr lIns="90000" rIns="90000" tIns="91440" bIns="91440" anchor="t">
+            <a:normAutofit/>
+          </a:bodyPr>
+          <a:p>
+            <a:pPr>
+              <a:lnSpc>
+                <a:spcPct val="115000"/>
+              </a:lnSpc>
+              <a:spcAft>
+                <a:spcPts val="1199"/>
+              </a:spcAft>
+              <a:tabLst>
+                <a:tab algn="l" pos="0"/>
+              </a:tabLst>
+            </a:pPr>
+            <a:r>
+              <a:rPr b="0" lang="en" sz="1800" spc="-1" strike="noStrike">
+                <a:solidFill>
+                  <a:srgbClr val="595959"/>
+                </a:solidFill>
+                <a:latin typeface="Arial"/>
+                <a:ea typeface="Arial"/>
+              </a:rPr>
+              <a:t>The challenges identified include but not limited to the following:</a:t>
+            </a:r>
+            <a:endParaRPr b="0" lang="en-US" sz="1800" spc="-1" strike="noStrike">
+              <a:solidFill>
+                <a:srgbClr val="000000"/>
+              </a:solidFill>
+              <a:latin typeface="Arial"/>
+            </a:endParaRPr>
+          </a:p>
+          <a:p>
+            <a:pPr>
+              <a:lnSpc>
+                <a:spcPct val="115000"/>
+              </a:lnSpc>
+              <a:spcAft>
+                <a:spcPts val="1199"/>
+              </a:spcAft>
+              <a:tabLst>
+                <a:tab algn="l" pos="0"/>
+              </a:tabLst>
+            </a:pPr>
+            <a:r>
+              <a:rPr b="0" lang="en" sz="1800" spc="-1" strike="noStrike">
+                <a:solidFill>
+                  <a:srgbClr val="595959"/>
+                </a:solidFill>
+                <a:latin typeface="Arial"/>
+                <a:ea typeface="Arial"/>
+              </a:rPr>
+              <a:t>A user needs to create a developer profile when using google map and login 0Auth to get and have valid accessible api.</a:t>
+            </a:r>
+            <a:endParaRPr b="0" lang="en-US" sz="1800" spc="-1" strike="noStrike">
+              <a:solidFill>
+                <a:srgbClr val="000000"/>
+              </a:solidFill>
+              <a:latin typeface="Arial"/>
+            </a:endParaRPr>
+          </a:p>
+          <a:p>
+            <a:pPr>
+              <a:lnSpc>
+                <a:spcPct val="115000"/>
+              </a:lnSpc>
+              <a:spcAft>
+                <a:spcPts val="1199"/>
+              </a:spcAft>
+              <a:tabLst>
+                <a:tab algn="l" pos="0"/>
+              </a:tabLst>
+            </a:pPr>
+            <a:r>
+              <a:rPr b="0" lang="en" sz="1800" spc="-1" strike="noStrike">
+                <a:solidFill>
+                  <a:srgbClr val="595959"/>
+                </a:solidFill>
+                <a:latin typeface="Arial"/>
+                <a:ea typeface="Arial"/>
+              </a:rPr>
+              <a:t>A database need to be in place to keep record of user’s login details</a:t>
+            </a:r>
+            <a:endParaRPr b="0" lang="en-US" sz="1800" spc="-1" strike="noStrike">
+              <a:solidFill>
+                <a:srgbClr val="000000"/>
+              </a:solidFill>
+              <a:latin typeface="Arial"/>
+            </a:endParaRPr>
+          </a:p>
+          <a:p>
+            <a:pPr>
+              <a:lnSpc>
+                <a:spcPct val="115000"/>
+              </a:lnSpc>
+              <a:spcAft>
+                <a:spcPts val="1199"/>
+              </a:spcAft>
+              <a:tabLst>
+                <a:tab algn="l" pos="0"/>
+              </a:tabLst>
+            </a:pPr>
+            <a:r>
+              <a:rPr b="0" lang="en" sz="1800" spc="-1" strike="noStrike">
+                <a:solidFill>
+                  <a:srgbClr val="595959"/>
+                </a:solidFill>
+                <a:latin typeface="Arial"/>
+                <a:ea typeface="Arial"/>
+              </a:rPr>
+              <a:t>Alot of backend routine for showing a nearby user whose maintenance and technical service is needed by peer to peer. Also the services outline were not work, just a preview of what the web application is capable of doing when fully build and optimised.</a:t>
+            </a:r>
+            <a:endParaRPr b="0" lang="en-US" sz="1800" spc="-1" strike="noStrike">
+              <a:solidFill>
+                <a:srgbClr val="000000"/>
+              </a:solidFill>
+              <a:latin typeface="Arial"/>
+            </a:endParaRPr>
+          </a:p>
+        </p:txBody>
+      </p:sp>
     </p:spTree>
   </p:cSld>
   <mc:AlternateContent>
@@ -5489,7 +5624,245 @@
       </p:grpSpPr>
       <p:sp>
         <p:nvSpPr>
-          <p:cNvPr id="90" name="CustomShape 1"/>
+          <p:cNvPr id="90" name=""/>
+          <p:cNvSpPr txBox="1"/>
+          <p:nvPr/>
+        </p:nvSpPr>
+        <p:spPr>
+          <a:xfrm>
+            <a:off x="179280" y="228600"/>
+            <a:ext cx="3249720" cy="602280"/>
+          </a:xfrm>
+          <a:prstGeom prst="rect">
+            <a:avLst/>
+          </a:prstGeom>
+          <a:noFill/>
+          <a:ln w="0">
+            <a:noFill/>
+          </a:ln>
+        </p:spPr>
+        <p:txBody>
+          <a:bodyPr lIns="90000" rIns="90000" tIns="45000" bIns="45000" anchor="t">
+            <a:noAutofit/>
+          </a:bodyPr>
+          <a:p>
+            <a:r>
+              <a:rPr b="1" lang="en-US" sz="1800" spc="-1" strike="noStrike">
+                <a:solidFill>
+                  <a:srgbClr val="000000"/>
+                </a:solidFill>
+                <a:latin typeface="Arial"/>
+              </a:rPr>
+              <a:t>Areas of Improvement</a:t>
+            </a:r>
+            <a:endParaRPr b="1" lang="en-US" sz="1800" spc="-1" strike="noStrike">
+              <a:solidFill>
+                <a:srgbClr val="000000"/>
+              </a:solidFill>
+              <a:latin typeface="Arial"/>
+            </a:endParaRPr>
+          </a:p>
+        </p:txBody>
+      </p:sp>
+      <p:sp>
+        <p:nvSpPr>
+          <p:cNvPr id="91" name=""/>
+          <p:cNvSpPr txBox="1"/>
+          <p:nvPr/>
+        </p:nvSpPr>
+        <p:spPr>
+          <a:xfrm>
+            <a:off x="228600" y="685800"/>
+            <a:ext cx="8458200" cy="3544200"/>
+          </a:xfrm>
+          <a:prstGeom prst="rect">
+            <a:avLst/>
+          </a:prstGeom>
+          <a:noFill/>
+          <a:ln w="0">
+            <a:noFill/>
+          </a:ln>
+        </p:spPr>
+        <p:txBody>
+          <a:bodyPr lIns="90000" rIns="90000" tIns="45000" bIns="45000" anchor="t">
+            <a:noAutofit/>
+          </a:bodyPr>
+          <a:p>
+            <a:pPr algn="just">
+              <a:lnSpc>
+                <a:spcPct val="150000"/>
+              </a:lnSpc>
+            </a:pPr>
+            <a:r>
+              <a:rPr b="0" lang="en-US" sz="1800" spc="-1" strike="noStrike">
+                <a:solidFill>
+                  <a:srgbClr val="000000"/>
+                </a:solidFill>
+                <a:latin typeface="Arial"/>
+              </a:rPr>
+              <a:t>The areas that needs improvement in the web application includes:</a:t>
+            </a:r>
+            <a:endParaRPr b="0" lang="en-US" sz="1800" spc="-1" strike="noStrike">
+              <a:solidFill>
+                <a:srgbClr val="000000"/>
+              </a:solidFill>
+              <a:latin typeface="Arial"/>
+            </a:endParaRPr>
+          </a:p>
+          <a:p>
+            <a:pPr algn="just">
+              <a:lnSpc>
+                <a:spcPct val="150000"/>
+              </a:lnSpc>
+            </a:pPr>
+            <a:r>
+              <a:rPr b="0" lang="en-US" sz="1800" spc="-1" strike="noStrike">
+                <a:solidFill>
+                  <a:srgbClr val="000000"/>
+                </a:solidFill>
+                <a:latin typeface="Arial"/>
+              </a:rPr>
+              <a:t>The services listed should be functional and optimized</a:t>
+            </a:r>
+            <a:endParaRPr b="0" lang="en-US" sz="1800" spc="-1" strike="noStrike">
+              <a:solidFill>
+                <a:srgbClr val="000000"/>
+              </a:solidFill>
+              <a:latin typeface="Arial"/>
+            </a:endParaRPr>
+          </a:p>
+          <a:p>
+            <a:pPr algn="just">
+              <a:lnSpc>
+                <a:spcPct val="150000"/>
+              </a:lnSpc>
+            </a:pPr>
+            <a:r>
+              <a:rPr b="0" lang="en-US" sz="1800" spc="-1" strike="noStrike">
+                <a:solidFill>
+                  <a:srgbClr val="000000"/>
+                </a:solidFill>
+                <a:latin typeface="Arial"/>
+              </a:rPr>
+              <a:t>The user login field should be able to accept 3</a:t>
+            </a:r>
+            <a:r>
+              <a:rPr b="0" lang="en-US" sz="1800" spc="-1" strike="noStrike" baseline="33000">
+                <a:solidFill>
+                  <a:srgbClr val="000000"/>
+                </a:solidFill>
+                <a:latin typeface="Arial"/>
+              </a:rPr>
+              <a:t>rd</a:t>
+            </a:r>
+            <a:r>
+              <a:rPr b="0" lang="en-US" sz="1800" spc="-1" strike="noStrike">
+                <a:solidFill>
+                  <a:srgbClr val="000000"/>
+                </a:solidFill>
+                <a:latin typeface="Arial"/>
+              </a:rPr>
+              <a:t> party credentials such as gmail for full access to the web application features and functions</a:t>
+            </a:r>
+            <a:endParaRPr b="0" lang="en-US" sz="1800" spc="-1" strike="noStrike">
+              <a:solidFill>
+                <a:srgbClr val="000000"/>
+              </a:solidFill>
+              <a:latin typeface="Arial"/>
+            </a:endParaRPr>
+          </a:p>
+          <a:p>
+            <a:pPr algn="just">
+              <a:lnSpc>
+                <a:spcPct val="150000"/>
+              </a:lnSpc>
+            </a:pPr>
+            <a:r>
+              <a:rPr b="0" lang="en-US" sz="1800" spc="-1" strike="noStrike">
+                <a:solidFill>
+                  <a:srgbClr val="000000"/>
+                </a:solidFill>
+                <a:latin typeface="Arial"/>
+              </a:rPr>
+              <a:t>The blog should be update at some intervals automatically for easy notification to users</a:t>
+            </a:r>
+            <a:endParaRPr b="0" lang="en-US" sz="1800" spc="-1" strike="noStrike">
+              <a:solidFill>
+                <a:srgbClr val="000000"/>
+              </a:solidFill>
+              <a:latin typeface="Arial"/>
+            </a:endParaRPr>
+          </a:p>
+          <a:p>
+            <a:pPr algn="just">
+              <a:lnSpc>
+                <a:spcPct val="150000"/>
+              </a:lnSpc>
+            </a:pPr>
+            <a:r>
+              <a:rPr b="0" lang="en-US" sz="1800" spc="-1" strike="noStrike">
+                <a:solidFill>
+                  <a:srgbClr val="000000"/>
+                </a:solidFill>
+                <a:latin typeface="Arial"/>
+              </a:rPr>
+              <a:t>The feedback form should also be optimize and an automatic response mail should be send to user to confirm receive of feedback</a:t>
+            </a:r>
+            <a:endParaRPr b="0" lang="en-US" sz="1800" spc="-1" strike="noStrike">
+              <a:solidFill>
+                <a:srgbClr val="000000"/>
+              </a:solidFill>
+              <a:latin typeface="Arial"/>
+            </a:endParaRPr>
+          </a:p>
+          <a:p>
+            <a:pPr algn="just">
+              <a:lnSpc>
+                <a:spcPct val="150000"/>
+              </a:lnSpc>
+            </a:pPr>
+            <a:endParaRPr b="0" lang="en-US" sz="1800" spc="-1" strike="noStrike">
+              <a:solidFill>
+                <a:srgbClr val="000000"/>
+              </a:solidFill>
+              <a:latin typeface="Arial"/>
+            </a:endParaRPr>
+          </a:p>
+        </p:txBody>
+      </p:sp>
+    </p:spTree>
+  </p:cSld>
+  <mc:AlternateContent>
+    <mc:Choice Requires="p14">
+      <p:transition spd="slow" p14:dur="2000"/>
+    </mc:Choice>
+    <mc:Fallback>
+      <p:transition spd="slow"/>
+    </mc:Fallback>
+  </mc:AlternateContent>
+</p:sld>
+</file>
+
+<file path=ppt/slides/slide8.xml><?xml version="1.0" encoding="utf-8"?>
+<p:sld xmlns:a="http://schemas.openxmlformats.org/drawingml/2006/main" xmlns:p="http://schemas.openxmlformats.org/presentationml/2006/main" xmlns:r="http://schemas.openxmlformats.org/officeDocument/2006/relationships" xmlns:p14="http://schemas.microsoft.com/office/powerpoint/2010/main" xmlns:p15="http://schemas.microsoft.com/office/powerpoint/2012/main" xmlns:mc="http://schemas.openxmlformats.org/markup-compatibility/2006">
+  <p:cSld>
+    <p:spTree>
+      <p:nvGrpSpPr>
+        <p:cNvPr id="1" name=""/>
+        <p:cNvGrpSpPr/>
+        <p:nvPr/>
+      </p:nvGrpSpPr>
+      <p:grpSpPr>
+        <a:xfrm>
+          <a:off x="0" y="0"/>
+          <a:ext cx="0" cy="0"/>
+          <a:chOff x="0" y="0"/>
+          <a:chExt cx="0" cy="0"/>
+        </a:xfrm>
+      </p:grpSpPr>
+      <p:sp>
+        <p:nvSpPr>
+          <p:cNvPr id="92" name="CustomShape 1"/>
           <p:cNvSpPr/>
           <p:nvPr/>
         </p:nvSpPr>
@@ -5533,7 +5906,7 @@
                 <a:latin typeface="Arial"/>
                 <a:ea typeface="Arial"/>
               </a:rPr>
-              <a:t>Learning Objectives</a:t>
+              <a:t>Schedule of Work</a:t>
             </a:r>
             <a:endParaRPr b="0" lang="en-US" sz="2800" spc="-1" strike="noStrike">
               <a:solidFill>
@@ -5544,16 +5917,69 @@
           </a:p>
         </p:txBody>
       </p:sp>
-      <p:sp>
-        <p:nvSpPr>
-          <p:cNvPr id="91" name="CustomShape 2"/>
+      <p:pic>
+        <p:nvPicPr>
+          <p:cNvPr id="93" name="Google Shape;92;p19" descr=""/>
+          <p:cNvPicPr/>
+          <p:nvPr/>
+        </p:nvPicPr>
+        <p:blipFill>
+          <a:blip r:embed="rId1"/>
+          <a:stretch/>
+        </p:blipFill>
+        <p:spPr>
+          <a:xfrm>
+            <a:off x="466200" y="1065240"/>
+            <a:ext cx="7970400" cy="3011760"/>
+          </a:xfrm>
+          <a:prstGeom prst="rect">
+            <a:avLst/>
+          </a:prstGeom>
+          <a:ln w="0">
+            <a:noFill/>
+          </a:ln>
+        </p:spPr>
+      </p:pic>
+    </p:spTree>
+  </p:cSld>
+  <mc:AlternateContent>
+    <mc:Choice Requires="p14">
+      <p:transition spd="slow" p14:dur="2000"/>
+    </mc:Choice>
+    <mc:Fallback>
+      <p:transition spd="slow"/>
+    </mc:Fallback>
+  </mc:AlternateContent>
+</p:sld>
+</file>
+
+<file path=ppt/slides/slide9.xml><?xml version="1.0" encoding="utf-8"?>
+<p:sld xmlns:a="http://schemas.openxmlformats.org/drawingml/2006/main" xmlns:p="http://schemas.openxmlformats.org/presentationml/2006/main" xmlns:r="http://schemas.openxmlformats.org/officeDocument/2006/relationships" xmlns:p14="http://schemas.microsoft.com/office/powerpoint/2010/main" xmlns:p15="http://schemas.microsoft.com/office/powerpoint/2012/main" xmlns:mc="http://schemas.openxmlformats.org/markup-compatibility/2006">
+  <p:cSld>
+    <p:spTree>
+      <p:nvGrpSpPr>
+        <p:cNvPr id="1" name=""/>
+        <p:cNvGrpSpPr/>
+        <p:nvPr/>
+      </p:nvGrpSpPr>
+      <p:grpSpPr>
+        <a:xfrm>
+          <a:off x="0" y="0"/>
+          <a:ext cx="0" cy="0"/>
+          <a:chOff x="0" y="0"/>
+          <a:chExt cx="0" cy="0"/>
+        </a:xfrm>
+      </p:grpSpPr>
+      <p:sp>
+        <p:nvSpPr>
+          <p:cNvPr id="94" name="CustomShape 1"/>
           <p:cNvSpPr/>
           <p:nvPr/>
         </p:nvSpPr>
         <p:spPr>
           <a:xfrm>
-            <a:off x="311760" y="1152360"/>
-            <a:ext cx="8519040" cy="3414960"/>
+            <a:off x="311760" y="444960"/>
+            <a:ext cx="8519040" cy="571320"/>
           </a:xfrm>
           <a:prstGeom prst="rect">
             <a:avLst/>
@@ -5571,12 +5997,69 @@
         </p:style>
         <p:txBody>
           <a:bodyPr lIns="90000" rIns="90000" tIns="91440" bIns="91440" anchor="t">
-            <a:normAutofit/>
+            <a:normAutofit fontScale="93000"/>
           </a:bodyPr>
           <a:p>
             <a:pPr>
               <a:lnSpc>
-                <a:spcPct val="115000"/>
+                <a:spcPct val="100000"/>
+              </a:lnSpc>
+              <a:tabLst>
+                <a:tab algn="l" pos="0"/>
+              </a:tabLst>
+            </a:pPr>
+            <a:r>
+              <a:rPr b="0" lang="en" sz="2800" spc="-1" strike="noStrike">
+                <a:solidFill>
+                  <a:srgbClr val="000000"/>
+                </a:solidFill>
+                <a:latin typeface="Arial"/>
+                <a:ea typeface="Arial"/>
+              </a:rPr>
+              <a:t>Conclusion:</a:t>
+            </a:r>
+            <a:endParaRPr b="0" lang="en-US" sz="2800" spc="-1" strike="noStrike">
+              <a:solidFill>
+                <a:srgbClr val="000000"/>
+              </a:solidFill>
+              <a:latin typeface="Arial"/>
+            </a:endParaRPr>
+          </a:p>
+        </p:txBody>
+      </p:sp>
+      <p:sp>
+        <p:nvSpPr>
+          <p:cNvPr id="95" name="CustomShape 2"/>
+          <p:cNvSpPr/>
+          <p:nvPr/>
+        </p:nvSpPr>
+        <p:spPr>
+          <a:xfrm>
+            <a:off x="311760" y="1152360"/>
+            <a:ext cx="8519040" cy="3414960"/>
+          </a:xfrm>
+          <a:prstGeom prst="rect">
+            <a:avLst/>
+          </a:prstGeom>
+          <a:noFill/>
+          <a:ln w="0">
+            <a:noFill/>
+          </a:ln>
+        </p:spPr>
+        <p:style>
+          <a:lnRef idx="0"/>
+          <a:fillRef idx="0"/>
+          <a:effectRef idx="0"/>
+          <a:fontRef idx="minor"/>
+        </p:style>
+        <p:txBody>
+          <a:bodyPr lIns="90000" rIns="90000" tIns="91440" bIns="91440" anchor="t">
+            <a:normAutofit/>
+          </a:bodyPr>
+          <a:p>
+            <a:pPr algn="just">
+              <a:lnSpc>
+                <a:spcPct val="150000"/>
               </a:lnSpc>
               <a:spcAft>
                 <a:spcPts val="1199"/>
@@ -5593,7 +6076,7 @@
                 <a:latin typeface="Arial"/>
                 <a:ea typeface="Arial"/>
               </a:rPr>
-              <a:t>This project is intended to have the following objectives:</a:t>
+              <a:t>This project is a web application that focus on the automobile industry to provide users with several services such as locating the nearest mechanic, buying spare part, scheduling maintenance etc.</a:t>
             </a:r>
             <a:endParaRPr b="0" lang="en-US" sz="1800" spc="-1" strike="noStrike">
               <a:solidFill>
@@ -5603,38 +6086,9 @@
             </a:endParaRPr>
           </a:p>
           <a:p>
-            <a:pPr>
+            <a:pPr algn="just">
               <a:lnSpc>
-                <a:spcPct val="115000"/>
-              </a:lnSpc>
-              <a:spcAft>
-                <a:spcPts val="1199"/>
-              </a:spcAft>
-              <a:tabLst>
-                <a:tab algn="l" pos="0"/>
-              </a:tabLst>
-            </a:pPr>
-            <a:r>
-              <a:rPr b="1" lang="en" sz="1800" spc="-1" strike="noStrike">
-                <a:solidFill>
-                  <a:srgbClr val="595959"/>
-                </a:solidFill>
-                <a:latin typeface="Arial"/>
-                <a:ea typeface="Arial"/>
-              </a:rPr>
-              <a:t>Frontend</a:t>
-            </a:r>
-            <a:endParaRPr b="0" lang="en-US" sz="1800" spc="-1" strike="noStrike">
-              <a:solidFill>
-                <a:srgbClr val="000000"/>
-              </a:solidFill>
-              <a:latin typeface="Arial"/>
-            </a:endParaRPr>
-          </a:p>
-          <a:p>
-            <a:pPr>
-              <a:lnSpc>
-                <a:spcPct val="115000"/>
+                <a:spcPct val="150000"/>
               </a:lnSpc>
               <a:spcAft>
                 <a:spcPts val="1199"/>
@@ -5651,75 +6105,7 @@
                 <a:latin typeface="Arial"/>
                 <a:ea typeface="Arial"/>
               </a:rPr>
-              <a:t>The use of html, CSS and Javascript to create a dynamic web application</a:t>
-            </a:r>
-            <a:endParaRPr b="0" lang="en-US" sz="1800" spc="-1" strike="noStrike">
-              <a:solidFill>
-                <a:srgbClr val="000000"/>
-              </a:solidFill>
-              <a:latin typeface="Arial"/>
-            </a:endParaRPr>
-          </a:p>
-          <a:p>
-            <a:pPr>
-              <a:lnSpc>
-                <a:spcPct val="115000"/>
-              </a:lnSpc>
-              <a:spcAft>
-                <a:spcPts val="1199"/>
-              </a:spcAft>
-              <a:tabLst>
-                <a:tab algn="l" pos="0"/>
-              </a:tabLst>
-            </a:pPr>
-            <a:r>
-              <a:rPr b="1" lang="en" sz="1800" spc="-1" strike="noStrike">
-                <a:solidFill>
-                  <a:srgbClr val="595959"/>
-                </a:solidFill>
-                <a:latin typeface="Arial"/>
-                <a:ea typeface="Arial"/>
-              </a:rPr>
-              <a:t>Backend</a:t>
-            </a:r>
-            <a:r>
-              <a:rPr b="0" lang="en" sz="1800" spc="-1" strike="noStrike">
-                <a:solidFill>
-                  <a:srgbClr val="595959"/>
-                </a:solidFill>
-                <a:latin typeface="Arial"/>
-                <a:ea typeface="Arial"/>
-              </a:rPr>
-              <a:t> </a:t>
-            </a:r>
-            <a:endParaRPr b="0" lang="en-US" sz="1800" spc="-1" strike="noStrike">
-              <a:solidFill>
-                <a:srgbClr val="000000"/>
-              </a:solidFill>
-              <a:latin typeface="Arial"/>
-            </a:endParaRPr>
-          </a:p>
-          <a:p>
-            <a:pPr>
-              <a:lnSpc>
-                <a:spcPct val="115000"/>
-              </a:lnSpc>
-              <a:spcAft>
-                <a:spcPts val="1199"/>
-              </a:spcAft>
-              <a:tabLst>
-                <a:tab algn="l" pos="0"/>
-              </a:tabLst>
-            </a:pPr>
-            <a:r>
-              <a:rPr b="0" lang="en" sz="1800" spc="-1" strike="noStrike">
-                <a:solidFill>
-                  <a:srgbClr val="595959"/>
-                </a:solidFill>
-                <a:latin typeface="Arial"/>
-                <a:ea typeface="Arial"/>
-              </a:rPr>
-              <a:t>Use python flask or nodejs as the backend as the case maybe</a:t>
+              <a:t>The frontend part of the web application is actualized but not fully optimized, and it is in need of a stable backend application to make the aforementioned features feasible.</a:t>
             </a:r>
             <a:endParaRPr b="0" lang="en-US" sz="1800" spc="-1" strike="noStrike">
               <a:solidFill>
